--- a/Behavioral/1b_fix/img/images.pptx
+++ b/Behavioral/1b_fix/img/images.pptx
@@ -4,6 +4,9 @@
   <p:sldMasterIdLst>
     <p:sldMasterId id="2147483648" r:id="rId1"/>
   </p:sldMasterIdLst>
+  <p:notesMasterIdLst>
+    <p:notesMasterId r:id="rId6"/>
+  </p:notesMasterIdLst>
   <p:sldIdLst>
     <p:sldId id="256" r:id="rId2"/>
     <p:sldId id="257" r:id="rId3"/>
@@ -115,6 +118,356 @@
 </p:presentation>
 </file>
 
+<file path=ppt/notesMasters/notesMaster1.xml><?xml version="1.0" encoding="utf-8"?>
+<p:notesMaster xmlns:a="http://schemas.openxmlformats.org/drawingml/2006/main" xmlns:r="http://schemas.openxmlformats.org/officeDocument/2006/relationships" xmlns:p="http://schemas.openxmlformats.org/presentationml/2006/main">
+  <p:cSld>
+    <p:bg>
+      <p:bgRef idx="1001">
+        <a:schemeClr val="bg1"/>
+      </p:bgRef>
+    </p:bg>
+    <p:spTree>
+      <p:nvGrpSpPr>
+        <p:cNvPr id="1" name=""/>
+        <p:cNvGrpSpPr/>
+        <p:nvPr/>
+      </p:nvGrpSpPr>
+      <p:grpSpPr>
+        <a:xfrm>
+          <a:off x="0" y="0"/>
+          <a:ext cx="0" cy="0"/>
+          <a:chOff x="0" y="0"/>
+          <a:chExt cx="0" cy="0"/>
+        </a:xfrm>
+      </p:grpSpPr>
+      <p:sp>
+        <p:nvSpPr>
+          <p:cNvPr id="2" name="Header Placeholder 1"/>
+          <p:cNvSpPr>
+            <a:spLocks noGrp="1"/>
+          </p:cNvSpPr>
+          <p:nvPr>
+            <p:ph type="hdr" sz="quarter"/>
+          </p:nvPr>
+        </p:nvSpPr>
+        <p:spPr>
+          <a:xfrm>
+            <a:off x="0" y="0"/>
+            <a:ext cx="2971800" cy="458788"/>
+          </a:xfrm>
+          <a:prstGeom prst="rect">
+            <a:avLst/>
+          </a:prstGeom>
+        </p:spPr>
+        <p:txBody>
+          <a:bodyPr vert="horz" lIns="91440" tIns="45720" rIns="91440" bIns="45720" rtlCol="0"/>
+          <a:lstStyle>
+            <a:lvl1pPr algn="l">
+              <a:defRPr sz="1200"/>
+            </a:lvl1pPr>
+          </a:lstStyle>
+          <a:p>
+            <a:endParaRPr lang="en-US"/>
+          </a:p>
+        </p:txBody>
+      </p:sp>
+      <p:sp>
+        <p:nvSpPr>
+          <p:cNvPr id="3" name="Date Placeholder 2"/>
+          <p:cNvSpPr>
+            <a:spLocks noGrp="1"/>
+          </p:cNvSpPr>
+          <p:nvPr>
+            <p:ph type="dt" idx="1"/>
+          </p:nvPr>
+        </p:nvSpPr>
+        <p:spPr>
+          <a:xfrm>
+            <a:off x="3884613" y="0"/>
+            <a:ext cx="2971800" cy="458788"/>
+          </a:xfrm>
+          <a:prstGeom prst="rect">
+            <a:avLst/>
+          </a:prstGeom>
+        </p:spPr>
+        <p:txBody>
+          <a:bodyPr vert="horz" lIns="91440" tIns="45720" rIns="91440" bIns="45720" rtlCol="0"/>
+          <a:lstStyle>
+            <a:lvl1pPr algn="r">
+              <a:defRPr sz="1200"/>
+            </a:lvl1pPr>
+          </a:lstStyle>
+          <a:p>
+            <a:fld id="{E3AED4C2-952D-D746-A03A-2A8159654A9B}" type="datetimeFigureOut">
+              <a:rPr lang="en-US" smtClean="0"/>
+              <a:t>8/16/17</a:t>
+            </a:fld>
+            <a:endParaRPr lang="en-US"/>
+          </a:p>
+        </p:txBody>
+      </p:sp>
+      <p:sp>
+        <p:nvSpPr>
+          <p:cNvPr id="4" name="Slide Image Placeholder 3"/>
+          <p:cNvSpPr>
+            <a:spLocks noGrp="1" noRot="1" noChangeAspect="1"/>
+          </p:cNvSpPr>
+          <p:nvPr>
+            <p:ph type="sldImg" idx="2"/>
+          </p:nvPr>
+        </p:nvSpPr>
+        <p:spPr>
+          <a:xfrm>
+            <a:off x="685800" y="1143000"/>
+            <a:ext cx="5486400" cy="3086100"/>
+          </a:xfrm>
+          <a:prstGeom prst="rect">
+            <a:avLst/>
+          </a:prstGeom>
+          <a:noFill/>
+          <a:ln w="12700">
+            <a:solidFill>
+              <a:prstClr val="black"/>
+            </a:solidFill>
+          </a:ln>
+        </p:spPr>
+        <p:txBody>
+          <a:bodyPr vert="horz" lIns="91440" tIns="45720" rIns="91440" bIns="45720" rtlCol="0" anchor="ctr"/>
+          <a:lstStyle/>
+          <a:p>
+            <a:endParaRPr lang="en-US"/>
+          </a:p>
+        </p:txBody>
+      </p:sp>
+      <p:sp>
+        <p:nvSpPr>
+          <p:cNvPr id="5" name="Notes Placeholder 4"/>
+          <p:cNvSpPr>
+            <a:spLocks noGrp="1"/>
+          </p:cNvSpPr>
+          <p:nvPr>
+            <p:ph type="body" sz="quarter" idx="3"/>
+          </p:nvPr>
+        </p:nvSpPr>
+        <p:spPr>
+          <a:xfrm>
+            <a:off x="685800" y="4400550"/>
+            <a:ext cx="5486400" cy="3600450"/>
+          </a:xfrm>
+          <a:prstGeom prst="rect">
+            <a:avLst/>
+          </a:prstGeom>
+        </p:spPr>
+        <p:txBody>
+          <a:bodyPr vert="horz" lIns="91440" tIns="45720" rIns="91440" bIns="45720" rtlCol="0"/>
+          <a:lstStyle/>
+          <a:p>
+            <a:pPr lvl="0"/>
+            <a:r>
+              <a:rPr lang="en-US" smtClean="0"/>
+              <a:t>Click to edit Master text styles</a:t>
+            </a:r>
+          </a:p>
+          <a:p>
+            <a:pPr lvl="1"/>
+            <a:r>
+              <a:rPr lang="en-US" smtClean="0"/>
+              <a:t>Second level</a:t>
+            </a:r>
+          </a:p>
+          <a:p>
+            <a:pPr lvl="2"/>
+            <a:r>
+              <a:rPr lang="en-US" smtClean="0"/>
+              <a:t>Third level</a:t>
+            </a:r>
+          </a:p>
+          <a:p>
+            <a:pPr lvl="3"/>
+            <a:r>
+              <a:rPr lang="en-US" smtClean="0"/>
+              <a:t>Fourth level</a:t>
+            </a:r>
+          </a:p>
+          <a:p>
+            <a:pPr lvl="4"/>
+            <a:r>
+              <a:rPr lang="en-US" smtClean="0"/>
+              <a:t>Fifth level</a:t>
+            </a:r>
+            <a:endParaRPr lang="en-US"/>
+          </a:p>
+        </p:txBody>
+      </p:sp>
+      <p:sp>
+        <p:nvSpPr>
+          <p:cNvPr id="6" name="Footer Placeholder 5"/>
+          <p:cNvSpPr>
+            <a:spLocks noGrp="1"/>
+          </p:cNvSpPr>
+          <p:nvPr>
+            <p:ph type="ftr" sz="quarter" idx="4"/>
+          </p:nvPr>
+        </p:nvSpPr>
+        <p:spPr>
+          <a:xfrm>
+            <a:off x="0" y="8685213"/>
+            <a:ext cx="2971800" cy="458787"/>
+          </a:xfrm>
+          <a:prstGeom prst="rect">
+            <a:avLst/>
+          </a:prstGeom>
+        </p:spPr>
+        <p:txBody>
+          <a:bodyPr vert="horz" lIns="91440" tIns="45720" rIns="91440" bIns="45720" rtlCol="0" anchor="b"/>
+          <a:lstStyle>
+            <a:lvl1pPr algn="l">
+              <a:defRPr sz="1200"/>
+            </a:lvl1pPr>
+          </a:lstStyle>
+          <a:p>
+            <a:endParaRPr lang="en-US"/>
+          </a:p>
+        </p:txBody>
+      </p:sp>
+      <p:sp>
+        <p:nvSpPr>
+          <p:cNvPr id="7" name="Slide Number Placeholder 6"/>
+          <p:cNvSpPr>
+            <a:spLocks noGrp="1"/>
+          </p:cNvSpPr>
+          <p:nvPr>
+            <p:ph type="sldNum" sz="quarter" idx="5"/>
+          </p:nvPr>
+        </p:nvSpPr>
+        <p:spPr>
+          <a:xfrm>
+            <a:off x="3884613" y="8685213"/>
+            <a:ext cx="2971800" cy="458787"/>
+          </a:xfrm>
+          <a:prstGeom prst="rect">
+            <a:avLst/>
+          </a:prstGeom>
+        </p:spPr>
+        <p:txBody>
+          <a:bodyPr vert="horz" lIns="91440" tIns="45720" rIns="91440" bIns="45720" rtlCol="0" anchor="b"/>
+          <a:lstStyle>
+            <a:lvl1pPr algn="r">
+              <a:defRPr sz="1200"/>
+            </a:lvl1pPr>
+          </a:lstStyle>
+          <a:p>
+            <a:fld id="{C5CAEB52-6902-6E47-9506-B49B31C3C807}" type="slidenum">
+              <a:rPr lang="en-US" smtClean="0"/>
+              <a:t>‹#›</a:t>
+            </a:fld>
+            <a:endParaRPr lang="en-US"/>
+          </a:p>
+        </p:txBody>
+      </p:sp>
+    </p:spTree>
+    <p:extLst>
+      <p:ext uri="{BB962C8B-B14F-4D97-AF65-F5344CB8AC3E}">
+        <p14:creationId xmlns:p14="http://schemas.microsoft.com/office/powerpoint/2010/main" val="1155510860"/>
+      </p:ext>
+    </p:extLst>
+  </p:cSld>
+  <p:clrMap bg1="lt1" tx1="dk1" bg2="lt2" tx2="dk2" accent1="accent1" accent2="accent2" accent3="accent3" accent4="accent4" accent5="accent5" accent6="accent6" hlink="hlink" folHlink="folHlink"/>
+  <p:notesStyle>
+    <a:lvl1pPr marL="0" algn="l" defTabSz="914400" rtl="0" eaLnBrk="1" latinLnBrk="0" hangingPunct="1">
+      <a:defRPr sz="1200" kern="1200">
+        <a:solidFill>
+          <a:schemeClr val="tx1"/>
+        </a:solidFill>
+        <a:latin typeface="+mn-lt"/>
+        <a:ea typeface="+mn-ea"/>
+        <a:cs typeface="+mn-cs"/>
+      </a:defRPr>
+    </a:lvl1pPr>
+    <a:lvl2pPr marL="457200" algn="l" defTabSz="914400" rtl="0" eaLnBrk="1" latinLnBrk="0" hangingPunct="1">
+      <a:defRPr sz="1200" kern="1200">
+        <a:solidFill>
+          <a:schemeClr val="tx1"/>
+        </a:solidFill>
+        <a:latin typeface="+mn-lt"/>
+        <a:ea typeface="+mn-ea"/>
+        <a:cs typeface="+mn-cs"/>
+      </a:defRPr>
+    </a:lvl2pPr>
+    <a:lvl3pPr marL="914400" algn="l" defTabSz="914400" rtl="0" eaLnBrk="1" latinLnBrk="0" hangingPunct="1">
+      <a:defRPr sz="1200" kern="1200">
+        <a:solidFill>
+          <a:schemeClr val="tx1"/>
+        </a:solidFill>
+        <a:latin typeface="+mn-lt"/>
+        <a:ea typeface="+mn-ea"/>
+        <a:cs typeface="+mn-cs"/>
+      </a:defRPr>
+    </a:lvl3pPr>
+    <a:lvl4pPr marL="1371600" algn="l" defTabSz="914400" rtl="0" eaLnBrk="1" latinLnBrk="0" hangingPunct="1">
+      <a:defRPr sz="1200" kern="1200">
+        <a:solidFill>
+          <a:schemeClr val="tx1"/>
+        </a:solidFill>
+        <a:latin typeface="+mn-lt"/>
+        <a:ea typeface="+mn-ea"/>
+        <a:cs typeface="+mn-cs"/>
+      </a:defRPr>
+    </a:lvl4pPr>
+    <a:lvl5pPr marL="1828800" algn="l" defTabSz="914400" rtl="0" eaLnBrk="1" latinLnBrk="0" hangingPunct="1">
+      <a:defRPr sz="1200" kern="1200">
+        <a:solidFill>
+          <a:schemeClr val="tx1"/>
+        </a:solidFill>
+        <a:latin typeface="+mn-lt"/>
+        <a:ea typeface="+mn-ea"/>
+        <a:cs typeface="+mn-cs"/>
+      </a:defRPr>
+    </a:lvl5pPr>
+    <a:lvl6pPr marL="2286000" algn="l" defTabSz="914400" rtl="0" eaLnBrk="1" latinLnBrk="0" hangingPunct="1">
+      <a:defRPr sz="1200" kern="1200">
+        <a:solidFill>
+          <a:schemeClr val="tx1"/>
+        </a:solidFill>
+        <a:latin typeface="+mn-lt"/>
+        <a:ea typeface="+mn-ea"/>
+        <a:cs typeface="+mn-cs"/>
+      </a:defRPr>
+    </a:lvl6pPr>
+    <a:lvl7pPr marL="2743200" algn="l" defTabSz="914400" rtl="0" eaLnBrk="1" latinLnBrk="0" hangingPunct="1">
+      <a:defRPr sz="1200" kern="1200">
+        <a:solidFill>
+          <a:schemeClr val="tx1"/>
+        </a:solidFill>
+        <a:latin typeface="+mn-lt"/>
+        <a:ea typeface="+mn-ea"/>
+        <a:cs typeface="+mn-cs"/>
+      </a:defRPr>
+    </a:lvl7pPr>
+    <a:lvl8pPr marL="3200400" algn="l" defTabSz="914400" rtl="0" eaLnBrk="1" latinLnBrk="0" hangingPunct="1">
+      <a:defRPr sz="1200" kern="1200">
+        <a:solidFill>
+          <a:schemeClr val="tx1"/>
+        </a:solidFill>
+        <a:latin typeface="+mn-lt"/>
+        <a:ea typeface="+mn-ea"/>
+        <a:cs typeface="+mn-cs"/>
+      </a:defRPr>
+    </a:lvl8pPr>
+    <a:lvl9pPr marL="3657600" algn="l" defTabSz="914400" rtl="0" eaLnBrk="1" latinLnBrk="0" hangingPunct="1">
+      <a:defRPr sz="1200" kern="1200">
+        <a:solidFill>
+          <a:schemeClr val="tx1"/>
+        </a:solidFill>
+        <a:latin typeface="+mn-lt"/>
+        <a:ea typeface="+mn-ea"/>
+        <a:cs typeface="+mn-cs"/>
+      </a:defRPr>
+    </a:lvl9pPr>
+  </p:notesStyle>
+</p:notesMaster>
+</file>
+
 <file path=ppt/slideLayouts/slideLayout1.xml><?xml version="1.0" encoding="utf-8"?>
 <p:sldLayout xmlns:a="http://schemas.openxmlformats.org/drawingml/2006/main" xmlns:r="http://schemas.openxmlformats.org/officeDocument/2006/relationships" xmlns:p="http://schemas.openxmlformats.org/presentationml/2006/main" type="title" preserve="1">
   <p:cSld name="Title Slide">
@@ -246,7 +599,7 @@
           <a:p>
             <a:fld id="{95E73B63-938B-BC42-9C17-C6DE9879C28F}" type="datetimeFigureOut">
               <a:rPr lang="en-US" smtClean="0"/>
-              <a:t>8/8/16</a:t>
+              <a:t>8/16/17</a:t>
             </a:fld>
             <a:endParaRPr lang="en-US"/>
           </a:p>
@@ -416,7 +769,7 @@
           <a:p>
             <a:fld id="{95E73B63-938B-BC42-9C17-C6DE9879C28F}" type="datetimeFigureOut">
               <a:rPr lang="en-US" smtClean="0"/>
-              <a:t>8/8/16</a:t>
+              <a:t>8/16/17</a:t>
             </a:fld>
             <a:endParaRPr lang="en-US"/>
           </a:p>
@@ -596,7 +949,7 @@
           <a:p>
             <a:fld id="{95E73B63-938B-BC42-9C17-C6DE9879C28F}" type="datetimeFigureOut">
               <a:rPr lang="en-US" smtClean="0"/>
-              <a:t>8/8/16</a:t>
+              <a:t>8/16/17</a:t>
             </a:fld>
             <a:endParaRPr lang="en-US"/>
           </a:p>
@@ -766,7 +1119,7 @@
           <a:p>
             <a:fld id="{95E73B63-938B-BC42-9C17-C6DE9879C28F}" type="datetimeFigureOut">
               <a:rPr lang="en-US" smtClean="0"/>
-              <a:t>8/8/16</a:t>
+              <a:t>8/16/17</a:t>
             </a:fld>
             <a:endParaRPr lang="en-US"/>
           </a:p>
@@ -1012,7 +1365,7 @@
           <a:p>
             <a:fld id="{95E73B63-938B-BC42-9C17-C6DE9879C28F}" type="datetimeFigureOut">
               <a:rPr lang="en-US" smtClean="0"/>
-              <a:t>8/8/16</a:t>
+              <a:t>8/16/17</a:t>
             </a:fld>
             <a:endParaRPr lang="en-US"/>
           </a:p>
@@ -1244,7 +1597,7 @@
           <a:p>
             <a:fld id="{95E73B63-938B-BC42-9C17-C6DE9879C28F}" type="datetimeFigureOut">
               <a:rPr lang="en-US" smtClean="0"/>
-              <a:t>8/8/16</a:t>
+              <a:t>8/16/17</a:t>
             </a:fld>
             <a:endParaRPr lang="en-US"/>
           </a:p>
@@ -1611,7 +1964,7 @@
           <a:p>
             <a:fld id="{95E73B63-938B-BC42-9C17-C6DE9879C28F}" type="datetimeFigureOut">
               <a:rPr lang="en-US" smtClean="0"/>
-              <a:t>8/8/16</a:t>
+              <a:t>8/16/17</a:t>
             </a:fld>
             <a:endParaRPr lang="en-US"/>
           </a:p>
@@ -1729,7 +2082,7 @@
           <a:p>
             <a:fld id="{95E73B63-938B-BC42-9C17-C6DE9879C28F}" type="datetimeFigureOut">
               <a:rPr lang="en-US" smtClean="0"/>
-              <a:t>8/8/16</a:t>
+              <a:t>8/16/17</a:t>
             </a:fld>
             <a:endParaRPr lang="en-US"/>
           </a:p>
@@ -1824,7 +2177,7 @@
           <a:p>
             <a:fld id="{95E73B63-938B-BC42-9C17-C6DE9879C28F}" type="datetimeFigureOut">
               <a:rPr lang="en-US" smtClean="0"/>
-              <a:t>8/8/16</a:t>
+              <a:t>8/16/17</a:t>
             </a:fld>
             <a:endParaRPr lang="en-US"/>
           </a:p>
@@ -2101,7 +2454,7 @@
           <a:p>
             <a:fld id="{95E73B63-938B-BC42-9C17-C6DE9879C28F}" type="datetimeFigureOut">
               <a:rPr lang="en-US" smtClean="0"/>
-              <a:t>8/8/16</a:t>
+              <a:t>8/16/17</a:t>
             </a:fld>
             <a:endParaRPr lang="en-US"/>
           </a:p>
@@ -2354,7 +2707,7 @@
           <a:p>
             <a:fld id="{95E73B63-938B-BC42-9C17-C6DE9879C28F}" type="datetimeFigureOut">
               <a:rPr lang="en-US" smtClean="0"/>
-              <a:t>8/8/16</a:t>
+              <a:t>8/16/17</a:t>
             </a:fld>
             <a:endParaRPr lang="en-US"/>
           </a:p>
@@ -2567,7 +2920,7 @@
           <a:p>
             <a:fld id="{95E73B63-938B-BC42-9C17-C6DE9879C28F}" type="datetimeFigureOut">
               <a:rPr lang="en-US" smtClean="0"/>
-              <a:t>8/8/16</a:t>
+              <a:t>8/16/17</a:t>
             </a:fld>
             <a:endParaRPr lang="en-US"/>
           </a:p>
@@ -3477,7 +3830,7 @@
       </p:grpSpPr>
       <p:grpSp>
         <p:nvGrpSpPr>
-          <p:cNvPr id="2" name="Group 1"/>
+          <p:cNvPr id="3" name="Group 2"/>
           <p:cNvGrpSpPr/>
           <p:nvPr/>
         </p:nvGrpSpPr>
@@ -3489,219 +3842,624 @@
             <a:chExt cx="8354934" cy="6225291"/>
           </a:xfrm>
         </p:grpSpPr>
+        <p:grpSp>
+          <p:nvGrpSpPr>
+            <p:cNvPr id="2" name="Group 1"/>
+            <p:cNvGrpSpPr/>
+            <p:nvPr/>
+          </p:nvGrpSpPr>
+          <p:grpSpPr>
+            <a:xfrm>
+              <a:off x="2749708" y="334954"/>
+              <a:ext cx="8354934" cy="6225291"/>
+              <a:chOff x="2749708" y="334954"/>
+              <a:chExt cx="8354934" cy="6225291"/>
+            </a:xfrm>
+          </p:grpSpPr>
+          <p:pic>
+            <p:nvPicPr>
+              <p:cNvPr id="30" name="Picture 29"/>
+              <p:cNvPicPr>
+                <a:picLocks noChangeAspect="1"/>
+              </p:cNvPicPr>
+              <p:nvPr/>
+            </p:nvPicPr>
+            <p:blipFill>
+              <a:blip r:embed="rId2">
+                <a:extLst>
+                  <a:ext uri="{28A0092B-C50C-407E-A947-70E740481C1C}">
+                    <a14:useLocalDpi xmlns:a14="http://schemas.microsoft.com/office/drawing/2010/main" val="0"/>
+                  </a:ext>
+                </a:extLst>
+              </a:blip>
+              <a:stretch>
+                <a:fillRect/>
+              </a:stretch>
+            </p:blipFill>
+            <p:spPr>
+              <a:xfrm>
+                <a:off x="2749708" y="4713622"/>
+                <a:ext cx="2460625" cy="1846623"/>
+              </a:xfrm>
+              <a:prstGeom prst="rect">
+                <a:avLst/>
+              </a:prstGeom>
+            </p:spPr>
+          </p:pic>
+          <p:pic>
+            <p:nvPicPr>
+              <p:cNvPr id="31" name="Picture 30"/>
+              <p:cNvPicPr>
+                <a:picLocks noChangeAspect="1"/>
+              </p:cNvPicPr>
+              <p:nvPr/>
+            </p:nvPicPr>
+            <p:blipFill>
+              <a:blip r:embed="rId3">
+                <a:extLst>
+                  <a:ext uri="{28A0092B-C50C-407E-A947-70E740481C1C}">
+                    <a14:useLocalDpi xmlns:a14="http://schemas.microsoft.com/office/drawing/2010/main" val="0"/>
+                  </a:ext>
+                </a:extLst>
+              </a:blip>
+              <a:stretch>
+                <a:fillRect/>
+              </a:stretch>
+            </p:blipFill>
+            <p:spPr>
+              <a:xfrm>
+                <a:off x="5552202" y="4713622"/>
+                <a:ext cx="2458244" cy="1844836"/>
+              </a:xfrm>
+              <a:prstGeom prst="rect">
+                <a:avLst/>
+              </a:prstGeom>
+            </p:spPr>
+          </p:pic>
+          <p:pic>
+            <p:nvPicPr>
+              <p:cNvPr id="37" name="Picture 36"/>
+              <p:cNvPicPr>
+                <a:picLocks noChangeAspect="1"/>
+              </p:cNvPicPr>
+              <p:nvPr/>
+            </p:nvPicPr>
+            <p:blipFill>
+              <a:blip r:embed="rId4">
+                <a:extLst>
+                  <a:ext uri="{28A0092B-C50C-407E-A947-70E740481C1C}">
+                    <a14:useLocalDpi xmlns:a14="http://schemas.microsoft.com/office/drawing/2010/main" val="0"/>
+                  </a:ext>
+                </a:extLst>
+              </a:blip>
+              <a:stretch>
+                <a:fillRect/>
+              </a:stretch>
+            </p:blipFill>
+            <p:spPr>
+              <a:xfrm>
+                <a:off x="8646398" y="4713622"/>
+                <a:ext cx="2458244" cy="1844836"/>
+              </a:xfrm>
+              <a:prstGeom prst="rect">
+                <a:avLst/>
+              </a:prstGeom>
+            </p:spPr>
+          </p:pic>
+          <p:pic>
+            <p:nvPicPr>
+              <p:cNvPr id="39" name="Picture 38"/>
+              <p:cNvPicPr>
+                <a:picLocks noChangeAspect="1"/>
+              </p:cNvPicPr>
+              <p:nvPr/>
+            </p:nvPicPr>
+            <p:blipFill>
+              <a:blip r:embed="rId5">
+                <a:extLst>
+                  <a:ext uri="{28A0092B-C50C-407E-A947-70E740481C1C}">
+                    <a14:useLocalDpi xmlns:a14="http://schemas.microsoft.com/office/drawing/2010/main" val="0"/>
+                  </a:ext>
+                </a:extLst>
+              </a:blip>
+              <a:stretch>
+                <a:fillRect/>
+              </a:stretch>
+            </p:blipFill>
+            <p:spPr>
+              <a:xfrm>
+                <a:off x="2970673" y="5580174"/>
+                <a:ext cx="978284" cy="978284"/>
+              </a:xfrm>
+              <a:prstGeom prst="rect">
+                <a:avLst/>
+              </a:prstGeom>
+            </p:spPr>
+          </p:pic>
+          <p:pic>
+            <p:nvPicPr>
+              <p:cNvPr id="40" name="Picture 39"/>
+              <p:cNvPicPr>
+                <a:picLocks noChangeAspect="1"/>
+              </p:cNvPicPr>
+              <p:nvPr/>
+            </p:nvPicPr>
+            <p:blipFill>
+              <a:blip r:embed="rId6">
+                <a:extLst>
+                  <a:ext uri="{28A0092B-C50C-407E-A947-70E740481C1C}">
+                    <a14:useLocalDpi xmlns:a14="http://schemas.microsoft.com/office/drawing/2010/main" val="0"/>
+                  </a:ext>
+                </a:extLst>
+              </a:blip>
+              <a:stretch>
+                <a:fillRect/>
+              </a:stretch>
+            </p:blipFill>
+            <p:spPr>
+              <a:xfrm>
+                <a:off x="4129461" y="5580174"/>
+                <a:ext cx="888929" cy="888929"/>
+              </a:xfrm>
+              <a:prstGeom prst="rect">
+                <a:avLst/>
+              </a:prstGeom>
+            </p:spPr>
+          </p:pic>
+          <p:pic>
+            <p:nvPicPr>
+              <p:cNvPr id="41" name="Picture 40"/>
+              <p:cNvPicPr>
+                <a:picLocks noChangeAspect="1"/>
+              </p:cNvPicPr>
+              <p:nvPr/>
+            </p:nvPicPr>
+            <p:blipFill>
+              <a:blip r:embed="rId7">
+                <a:extLst>
+                  <a:ext uri="{28A0092B-C50C-407E-A947-70E740481C1C}">
+                    <a14:useLocalDpi xmlns:a14="http://schemas.microsoft.com/office/drawing/2010/main" val="0"/>
+                  </a:ext>
+                </a:extLst>
+              </a:blip>
+              <a:stretch>
+                <a:fillRect/>
+              </a:stretch>
+            </p:blipFill>
+            <p:spPr>
+              <a:xfrm>
+                <a:off x="5737107" y="5588252"/>
+                <a:ext cx="872771" cy="872771"/>
+              </a:xfrm>
+              <a:prstGeom prst="rect">
+                <a:avLst/>
+              </a:prstGeom>
+            </p:spPr>
+          </p:pic>
+          <p:pic>
+            <p:nvPicPr>
+              <p:cNvPr id="42" name="Picture 41"/>
+              <p:cNvPicPr>
+                <a:picLocks noChangeAspect="1"/>
+              </p:cNvPicPr>
+              <p:nvPr/>
+            </p:nvPicPr>
+            <p:blipFill>
+              <a:blip r:embed="rId8">
+                <a:extLst>
+                  <a:ext uri="{28A0092B-C50C-407E-A947-70E740481C1C}">
+                    <a14:useLocalDpi xmlns:a14="http://schemas.microsoft.com/office/drawing/2010/main" val="0"/>
+                  </a:ext>
+                </a:extLst>
+              </a:blip>
+              <a:stretch>
+                <a:fillRect/>
+              </a:stretch>
+            </p:blipFill>
+            <p:spPr>
+              <a:xfrm>
+                <a:off x="7009164" y="5580174"/>
+                <a:ext cx="849772" cy="849772"/>
+              </a:xfrm>
+              <a:prstGeom prst="rect">
+                <a:avLst/>
+              </a:prstGeom>
+            </p:spPr>
+          </p:pic>
+          <p:pic>
+            <p:nvPicPr>
+              <p:cNvPr id="44" name="Picture 43"/>
+              <p:cNvPicPr>
+                <a:picLocks noChangeAspect="1"/>
+              </p:cNvPicPr>
+              <p:nvPr/>
+            </p:nvPicPr>
+            <p:blipFill>
+              <a:blip r:embed="rId9">
+                <a:extLst>
+                  <a:ext uri="{28A0092B-C50C-407E-A947-70E740481C1C}">
+                    <a14:useLocalDpi xmlns:a14="http://schemas.microsoft.com/office/drawing/2010/main" val="0"/>
+                  </a:ext>
+                </a:extLst>
+              </a:blip>
+              <a:stretch>
+                <a:fillRect/>
+              </a:stretch>
+            </p:blipFill>
+            <p:spPr>
+              <a:xfrm>
+                <a:off x="10096799" y="5552809"/>
+                <a:ext cx="904501" cy="904501"/>
+              </a:xfrm>
+              <a:prstGeom prst="rect">
+                <a:avLst/>
+              </a:prstGeom>
+            </p:spPr>
+          </p:pic>
+          <p:pic>
+            <p:nvPicPr>
+              <p:cNvPr id="45" name="Picture 44"/>
+              <p:cNvPicPr>
+                <a:picLocks noChangeAspect="1"/>
+              </p:cNvPicPr>
+              <p:nvPr/>
+            </p:nvPicPr>
+            <p:blipFill>
+              <a:blip r:embed="rId10">
+                <a:extLst>
+                  <a:ext uri="{28A0092B-C50C-407E-A947-70E740481C1C}">
+                    <a14:useLocalDpi xmlns:a14="http://schemas.microsoft.com/office/drawing/2010/main" val="0"/>
+                  </a:ext>
+                </a:extLst>
+              </a:blip>
+              <a:stretch>
+                <a:fillRect/>
+              </a:stretch>
+            </p:blipFill>
+            <p:spPr>
+              <a:xfrm>
+                <a:off x="3528378" y="334954"/>
+                <a:ext cx="889000" cy="2159000"/>
+              </a:xfrm>
+              <a:prstGeom prst="rect">
+                <a:avLst/>
+              </a:prstGeom>
+            </p:spPr>
+          </p:pic>
+          <p:pic>
+            <p:nvPicPr>
+              <p:cNvPr id="46" name="Picture 45"/>
+              <p:cNvPicPr>
+                <a:picLocks noChangeAspect="1"/>
+              </p:cNvPicPr>
+              <p:nvPr/>
+            </p:nvPicPr>
+            <p:blipFill>
+              <a:blip r:embed="rId11">
+                <a:extLst>
+                  <a:ext uri="{28A0092B-C50C-407E-A947-70E740481C1C}">
+                    <a14:useLocalDpi xmlns:a14="http://schemas.microsoft.com/office/drawing/2010/main" val="0"/>
+                  </a:ext>
+                </a:extLst>
+              </a:blip>
+              <a:stretch>
+                <a:fillRect/>
+              </a:stretch>
+            </p:blipFill>
+            <p:spPr>
+              <a:xfrm>
+                <a:off x="6463035" y="334954"/>
+                <a:ext cx="736600" cy="2159000"/>
+              </a:xfrm>
+              <a:prstGeom prst="rect">
+                <a:avLst/>
+              </a:prstGeom>
+            </p:spPr>
+          </p:pic>
+          <p:sp>
+            <p:nvSpPr>
+              <p:cNvPr id="47" name="Down Arrow 46"/>
+              <p:cNvSpPr/>
+              <p:nvPr/>
+            </p:nvSpPr>
+            <p:spPr>
+              <a:xfrm>
+                <a:off x="3751421" y="2786063"/>
+                <a:ext cx="442913" cy="1514475"/>
+              </a:xfrm>
+              <a:prstGeom prst="downArrow">
+                <a:avLst/>
+              </a:prstGeom>
+            </p:spPr>
+            <p:style>
+              <a:lnRef idx="2">
+                <a:schemeClr val="accent1">
+                  <a:shade val="50000"/>
+                </a:schemeClr>
+              </a:lnRef>
+              <a:fillRef idx="1">
+                <a:schemeClr val="accent1"/>
+              </a:fillRef>
+              <a:effectRef idx="0">
+                <a:schemeClr val="accent1"/>
+              </a:effectRef>
+              <a:fontRef idx="minor">
+                <a:schemeClr val="lt1"/>
+              </a:fontRef>
+            </p:style>
+            <p:txBody>
+              <a:bodyPr rtlCol="0" anchor="ctr"/>
+              <a:lstStyle/>
+              <a:p>
+                <a:pPr algn="ctr"/>
+                <a:endParaRPr lang="en-US" dirty="0"/>
+              </a:p>
+            </p:txBody>
+          </p:sp>
+          <p:sp>
+            <p:nvSpPr>
+              <p:cNvPr id="48" name="Down Arrow 47"/>
+              <p:cNvSpPr/>
+              <p:nvPr/>
+            </p:nvSpPr>
+            <p:spPr>
+              <a:xfrm>
+                <a:off x="6609878" y="2786063"/>
+                <a:ext cx="442913" cy="1514475"/>
+              </a:xfrm>
+              <a:prstGeom prst="downArrow">
+                <a:avLst/>
+              </a:prstGeom>
+            </p:spPr>
+            <p:style>
+              <a:lnRef idx="2">
+                <a:schemeClr val="accent1">
+                  <a:shade val="50000"/>
+                </a:schemeClr>
+              </a:lnRef>
+              <a:fillRef idx="1">
+                <a:schemeClr val="accent1"/>
+              </a:fillRef>
+              <a:effectRef idx="0">
+                <a:schemeClr val="accent1"/>
+              </a:effectRef>
+              <a:fontRef idx="minor">
+                <a:schemeClr val="lt1"/>
+              </a:fontRef>
+            </p:style>
+            <p:txBody>
+              <a:bodyPr rtlCol="0" anchor="ctr"/>
+              <a:lstStyle/>
+              <a:p>
+                <a:pPr algn="ctr"/>
+                <a:endParaRPr lang="en-US"/>
+              </a:p>
+            </p:txBody>
+          </p:sp>
+          <p:cxnSp>
+            <p:nvCxnSpPr>
+              <p:cNvPr id="49" name="Straight Arrow Connector 48"/>
+              <p:cNvCxnSpPr/>
+              <p:nvPr/>
+            </p:nvCxnSpPr>
+            <p:spPr>
+              <a:xfrm>
+                <a:off x="4194334" y="2786063"/>
+                <a:ext cx="5366017" cy="1694497"/>
+              </a:xfrm>
+              <a:prstGeom prst="straightConnector1">
+                <a:avLst/>
+              </a:prstGeom>
+              <a:ln w="88900">
+                <a:prstDash val="dash"/>
+                <a:tailEnd type="triangle"/>
+              </a:ln>
+            </p:spPr>
+            <p:style>
+              <a:lnRef idx="1">
+                <a:schemeClr val="accent1"/>
+              </a:lnRef>
+              <a:fillRef idx="0">
+                <a:schemeClr val="accent1"/>
+              </a:fillRef>
+              <a:effectRef idx="0">
+                <a:schemeClr val="accent1"/>
+              </a:effectRef>
+              <a:fontRef idx="minor">
+                <a:schemeClr val="tx1"/>
+              </a:fontRef>
+            </p:style>
+          </p:cxnSp>
+          <p:cxnSp>
+            <p:nvCxnSpPr>
+              <p:cNvPr id="50" name="Straight Arrow Connector 49"/>
+              <p:cNvCxnSpPr/>
+              <p:nvPr/>
+            </p:nvCxnSpPr>
+            <p:spPr>
+              <a:xfrm>
+                <a:off x="7052791" y="2786061"/>
+                <a:ext cx="2822729" cy="1694499"/>
+              </a:xfrm>
+              <a:prstGeom prst="straightConnector1">
+                <a:avLst/>
+              </a:prstGeom>
+              <a:ln w="88900">
+                <a:prstDash val="dash"/>
+                <a:tailEnd type="triangle"/>
+              </a:ln>
+            </p:spPr>
+            <p:style>
+              <a:lnRef idx="1">
+                <a:schemeClr val="accent1"/>
+              </a:lnRef>
+              <a:fillRef idx="0">
+                <a:schemeClr val="accent1"/>
+              </a:fillRef>
+              <a:effectRef idx="0">
+                <a:schemeClr val="accent1"/>
+              </a:effectRef>
+              <a:fontRef idx="minor">
+                <a:schemeClr val="tx1"/>
+              </a:fontRef>
+            </p:style>
+          </p:cxnSp>
+          <p:sp>
+            <p:nvSpPr>
+              <p:cNvPr id="51" name="TextBox 50"/>
+              <p:cNvSpPr txBox="1"/>
+              <p:nvPr/>
+            </p:nvSpPr>
+            <p:spPr>
+              <a:xfrm>
+                <a:off x="3234537" y="3653265"/>
+                <a:ext cx="583814" cy="369332"/>
+              </a:xfrm>
+              <a:prstGeom prst="rect">
+                <a:avLst/>
+              </a:prstGeom>
+              <a:noFill/>
+            </p:spPr>
+            <p:txBody>
+              <a:bodyPr wrap="none" rtlCol="0">
+                <a:spAutoFit/>
+              </a:bodyPr>
+              <a:lstStyle/>
+              <a:p>
+                <a:r>
+                  <a:rPr lang="en-US" dirty="0" smtClean="0">
+                    <a:solidFill>
+                      <a:schemeClr val="bg1"/>
+                    </a:solidFill>
+                  </a:rPr>
+                  <a:t>80%</a:t>
+                </a:r>
+                <a:endParaRPr lang="en-US" dirty="0">
+                  <a:solidFill>
+                    <a:schemeClr val="bg1"/>
+                  </a:solidFill>
+                </a:endParaRPr>
+              </a:p>
+            </p:txBody>
+          </p:sp>
+          <p:sp>
+            <p:nvSpPr>
+              <p:cNvPr id="52" name="TextBox 51"/>
+              <p:cNvSpPr txBox="1"/>
+              <p:nvPr/>
+            </p:nvSpPr>
+            <p:spPr>
+              <a:xfrm>
+                <a:off x="6141632" y="3653265"/>
+                <a:ext cx="583814" cy="369332"/>
+              </a:xfrm>
+              <a:prstGeom prst="rect">
+                <a:avLst/>
+              </a:prstGeom>
+              <a:noFill/>
+            </p:spPr>
+            <p:txBody>
+              <a:bodyPr wrap="none" rtlCol="0">
+                <a:spAutoFit/>
+              </a:bodyPr>
+              <a:lstStyle/>
+              <a:p>
+                <a:r>
+                  <a:rPr lang="en-US" dirty="0" smtClean="0">
+                    <a:solidFill>
+                      <a:schemeClr val="bg1"/>
+                    </a:solidFill>
+                  </a:rPr>
+                  <a:t>80%</a:t>
+                </a:r>
+                <a:endParaRPr lang="en-US" dirty="0">
+                  <a:solidFill>
+                    <a:schemeClr val="bg1"/>
+                  </a:solidFill>
+                </a:endParaRPr>
+              </a:p>
+            </p:txBody>
+          </p:sp>
+          <p:sp>
+            <p:nvSpPr>
+              <p:cNvPr id="53" name="TextBox 52"/>
+              <p:cNvSpPr txBox="1"/>
+              <p:nvPr/>
+            </p:nvSpPr>
+            <p:spPr>
+              <a:xfrm rot="1066460">
+                <a:off x="4813465" y="2679381"/>
+                <a:ext cx="583814" cy="369332"/>
+              </a:xfrm>
+              <a:prstGeom prst="rect">
+                <a:avLst/>
+              </a:prstGeom>
+              <a:noFill/>
+            </p:spPr>
+            <p:txBody>
+              <a:bodyPr wrap="none" rtlCol="0">
+                <a:spAutoFit/>
+              </a:bodyPr>
+              <a:lstStyle/>
+              <a:p>
+                <a:r>
+                  <a:rPr lang="en-US" dirty="0" smtClean="0">
+                    <a:solidFill>
+                      <a:schemeClr val="bg1"/>
+                    </a:solidFill>
+                  </a:rPr>
+                  <a:t>20%</a:t>
+                </a:r>
+                <a:endParaRPr lang="en-US" dirty="0">
+                  <a:solidFill>
+                    <a:schemeClr val="bg1"/>
+                  </a:solidFill>
+                </a:endParaRPr>
+              </a:p>
+            </p:txBody>
+          </p:sp>
+          <p:sp>
+            <p:nvSpPr>
+              <p:cNvPr id="54" name="TextBox 53"/>
+              <p:cNvSpPr txBox="1"/>
+              <p:nvPr/>
+            </p:nvSpPr>
+            <p:spPr>
+              <a:xfrm rot="1850188">
+                <a:off x="7635322" y="2887681"/>
+                <a:ext cx="583814" cy="369332"/>
+              </a:xfrm>
+              <a:prstGeom prst="rect">
+                <a:avLst/>
+              </a:prstGeom>
+              <a:noFill/>
+            </p:spPr>
+            <p:txBody>
+              <a:bodyPr wrap="none" rtlCol="0">
+                <a:spAutoFit/>
+              </a:bodyPr>
+              <a:lstStyle/>
+              <a:p>
+                <a:r>
+                  <a:rPr lang="en-US" dirty="0" smtClean="0">
+                    <a:solidFill>
+                      <a:schemeClr val="bg1"/>
+                    </a:solidFill>
+                  </a:rPr>
+                  <a:t>20%</a:t>
+                </a:r>
+                <a:endParaRPr lang="en-US" dirty="0">
+                  <a:solidFill>
+                    <a:schemeClr val="bg1"/>
+                  </a:solidFill>
+                </a:endParaRPr>
+              </a:p>
+            </p:txBody>
+          </p:sp>
+        </p:grpSp>
         <p:pic>
           <p:nvPicPr>
-            <p:cNvPr id="30" name="Picture 29"/>
-            <p:cNvPicPr>
-              <a:picLocks noChangeAspect="1"/>
-            </p:cNvPicPr>
-            <p:nvPr/>
-          </p:nvPicPr>
-          <p:blipFill>
-            <a:blip r:embed="rId2">
-              <a:extLst>
-                <a:ext uri="{28A0092B-C50C-407E-A947-70E740481C1C}">
-                  <a14:useLocalDpi xmlns:a14="http://schemas.microsoft.com/office/drawing/2010/main" val="0"/>
-                </a:ext>
-              </a:extLst>
-            </a:blip>
-            <a:stretch>
-              <a:fillRect/>
-            </a:stretch>
-          </p:blipFill>
-          <p:spPr>
-            <a:xfrm>
-              <a:off x="2749708" y="4713622"/>
-              <a:ext cx="2460625" cy="1846623"/>
-            </a:xfrm>
-            <a:prstGeom prst="rect">
-              <a:avLst/>
-            </a:prstGeom>
-          </p:spPr>
-        </p:pic>
-        <p:pic>
-          <p:nvPicPr>
-            <p:cNvPr id="31" name="Picture 30"/>
-            <p:cNvPicPr>
-              <a:picLocks noChangeAspect="1"/>
-            </p:cNvPicPr>
-            <p:nvPr/>
-          </p:nvPicPr>
-          <p:blipFill>
-            <a:blip r:embed="rId3">
-              <a:extLst>
-                <a:ext uri="{28A0092B-C50C-407E-A947-70E740481C1C}">
-                  <a14:useLocalDpi xmlns:a14="http://schemas.microsoft.com/office/drawing/2010/main" val="0"/>
-                </a:ext>
-              </a:extLst>
-            </a:blip>
-            <a:stretch>
-              <a:fillRect/>
-            </a:stretch>
-          </p:blipFill>
-          <p:spPr>
-            <a:xfrm>
-              <a:off x="5552202" y="4713622"/>
-              <a:ext cx="2458244" cy="1844836"/>
-            </a:xfrm>
-            <a:prstGeom prst="rect">
-              <a:avLst/>
-            </a:prstGeom>
-          </p:spPr>
-        </p:pic>
-        <p:pic>
-          <p:nvPicPr>
-            <p:cNvPr id="37" name="Picture 36"/>
-            <p:cNvPicPr>
-              <a:picLocks noChangeAspect="1"/>
-            </p:cNvPicPr>
-            <p:nvPr/>
-          </p:nvPicPr>
-          <p:blipFill>
-            <a:blip r:embed="rId4">
-              <a:extLst>
-                <a:ext uri="{28A0092B-C50C-407E-A947-70E740481C1C}">
-                  <a14:useLocalDpi xmlns:a14="http://schemas.microsoft.com/office/drawing/2010/main" val="0"/>
-                </a:ext>
-              </a:extLst>
-            </a:blip>
-            <a:stretch>
-              <a:fillRect/>
-            </a:stretch>
-          </p:blipFill>
-          <p:spPr>
-            <a:xfrm>
-              <a:off x="8646398" y="4713622"/>
-              <a:ext cx="2458244" cy="1844836"/>
-            </a:xfrm>
-            <a:prstGeom prst="rect">
-              <a:avLst/>
-            </a:prstGeom>
-          </p:spPr>
-        </p:pic>
-        <p:pic>
-          <p:nvPicPr>
-            <p:cNvPr id="39" name="Picture 38"/>
-            <p:cNvPicPr>
-              <a:picLocks noChangeAspect="1"/>
-            </p:cNvPicPr>
-            <p:nvPr/>
-          </p:nvPicPr>
-          <p:blipFill>
-            <a:blip r:embed="rId5">
-              <a:extLst>
-                <a:ext uri="{28A0092B-C50C-407E-A947-70E740481C1C}">
-                  <a14:useLocalDpi xmlns:a14="http://schemas.microsoft.com/office/drawing/2010/main" val="0"/>
-                </a:ext>
-              </a:extLst>
-            </a:blip>
-            <a:stretch>
-              <a:fillRect/>
-            </a:stretch>
-          </p:blipFill>
-          <p:spPr>
-            <a:xfrm>
-              <a:off x="2970673" y="5580174"/>
-              <a:ext cx="978284" cy="978284"/>
-            </a:xfrm>
-            <a:prstGeom prst="rect">
-              <a:avLst/>
-            </a:prstGeom>
-          </p:spPr>
-        </p:pic>
-        <p:pic>
-          <p:nvPicPr>
-            <p:cNvPr id="40" name="Picture 39"/>
-            <p:cNvPicPr>
-              <a:picLocks noChangeAspect="1"/>
-            </p:cNvPicPr>
-            <p:nvPr/>
-          </p:nvPicPr>
-          <p:blipFill>
-            <a:blip r:embed="rId6">
-              <a:extLst>
-                <a:ext uri="{28A0092B-C50C-407E-A947-70E740481C1C}">
-                  <a14:useLocalDpi xmlns:a14="http://schemas.microsoft.com/office/drawing/2010/main" val="0"/>
-                </a:ext>
-              </a:extLst>
-            </a:blip>
-            <a:stretch>
-              <a:fillRect/>
-            </a:stretch>
-          </p:blipFill>
-          <p:spPr>
-            <a:xfrm>
-              <a:off x="4129461" y="5580174"/>
-              <a:ext cx="888929" cy="888929"/>
-            </a:xfrm>
-            <a:prstGeom prst="rect">
-              <a:avLst/>
-            </a:prstGeom>
-          </p:spPr>
-        </p:pic>
-        <p:pic>
-          <p:nvPicPr>
-            <p:cNvPr id="41" name="Picture 40"/>
-            <p:cNvPicPr>
-              <a:picLocks noChangeAspect="1"/>
-            </p:cNvPicPr>
-            <p:nvPr/>
-          </p:nvPicPr>
-          <p:blipFill>
-            <a:blip r:embed="rId7">
-              <a:extLst>
-                <a:ext uri="{28A0092B-C50C-407E-A947-70E740481C1C}">
-                  <a14:useLocalDpi xmlns:a14="http://schemas.microsoft.com/office/drawing/2010/main" val="0"/>
-                </a:ext>
-              </a:extLst>
-            </a:blip>
-            <a:stretch>
-              <a:fillRect/>
-            </a:stretch>
-          </p:blipFill>
-          <p:spPr>
-            <a:xfrm>
-              <a:off x="5737107" y="5588252"/>
-              <a:ext cx="872771" cy="872771"/>
-            </a:xfrm>
-            <a:prstGeom prst="rect">
-              <a:avLst/>
-            </a:prstGeom>
-          </p:spPr>
-        </p:pic>
-        <p:pic>
-          <p:nvPicPr>
-            <p:cNvPr id="42" name="Picture 41"/>
-            <p:cNvPicPr>
-              <a:picLocks noChangeAspect="1"/>
-            </p:cNvPicPr>
-            <p:nvPr/>
-          </p:nvPicPr>
-          <p:blipFill>
-            <a:blip r:embed="rId8">
-              <a:extLst>
-                <a:ext uri="{28A0092B-C50C-407E-A947-70E740481C1C}">
-                  <a14:useLocalDpi xmlns:a14="http://schemas.microsoft.com/office/drawing/2010/main" val="0"/>
-                </a:ext>
-              </a:extLst>
-            </a:blip>
-            <a:stretch>
-              <a:fillRect/>
-            </a:stretch>
-          </p:blipFill>
-          <p:spPr>
-            <a:xfrm>
-              <a:off x="7009164" y="5580174"/>
-              <a:ext cx="849772" cy="849772"/>
-            </a:xfrm>
-            <a:prstGeom prst="rect">
-              <a:avLst/>
-            </a:prstGeom>
-          </p:spPr>
-        </p:pic>
-        <p:pic>
-          <p:nvPicPr>
-            <p:cNvPr id="44" name="Picture 43"/>
+            <p:cNvPr id="21" name="Picture 20"/>
             <p:cNvPicPr>
               <a:picLocks noChangeAspect="1"/>
             </p:cNvPicPr>
@@ -3721,7 +4479,7 @@
           </p:blipFill>
           <p:spPr>
             <a:xfrm>
-              <a:off x="9475007" y="5552809"/>
+              <a:off x="8919348" y="5588252"/>
               <a:ext cx="904501" cy="904501"/>
             </a:xfrm>
             <a:prstGeom prst="rect">
@@ -3729,366 +4487,6 @@
             </a:prstGeom>
           </p:spPr>
         </p:pic>
-        <p:pic>
-          <p:nvPicPr>
-            <p:cNvPr id="45" name="Picture 44"/>
-            <p:cNvPicPr>
-              <a:picLocks noChangeAspect="1"/>
-            </p:cNvPicPr>
-            <p:nvPr/>
-          </p:nvPicPr>
-          <p:blipFill>
-            <a:blip r:embed="rId10">
-              <a:extLst>
-                <a:ext uri="{28A0092B-C50C-407E-A947-70E740481C1C}">
-                  <a14:useLocalDpi xmlns:a14="http://schemas.microsoft.com/office/drawing/2010/main" val="0"/>
-                </a:ext>
-              </a:extLst>
-            </a:blip>
-            <a:stretch>
-              <a:fillRect/>
-            </a:stretch>
-          </p:blipFill>
-          <p:spPr>
-            <a:xfrm>
-              <a:off x="3528378" y="334954"/>
-              <a:ext cx="889000" cy="2159000"/>
-            </a:xfrm>
-            <a:prstGeom prst="rect">
-              <a:avLst/>
-            </a:prstGeom>
-          </p:spPr>
-        </p:pic>
-        <p:pic>
-          <p:nvPicPr>
-            <p:cNvPr id="46" name="Picture 45"/>
-            <p:cNvPicPr>
-              <a:picLocks noChangeAspect="1"/>
-            </p:cNvPicPr>
-            <p:nvPr/>
-          </p:nvPicPr>
-          <p:blipFill>
-            <a:blip r:embed="rId11">
-              <a:extLst>
-                <a:ext uri="{28A0092B-C50C-407E-A947-70E740481C1C}">
-                  <a14:useLocalDpi xmlns:a14="http://schemas.microsoft.com/office/drawing/2010/main" val="0"/>
-                </a:ext>
-              </a:extLst>
-            </a:blip>
-            <a:stretch>
-              <a:fillRect/>
-            </a:stretch>
-          </p:blipFill>
-          <p:spPr>
-            <a:xfrm>
-              <a:off x="6463035" y="334954"/>
-              <a:ext cx="736600" cy="2159000"/>
-            </a:xfrm>
-            <a:prstGeom prst="rect">
-              <a:avLst/>
-            </a:prstGeom>
-          </p:spPr>
-        </p:pic>
-        <p:sp>
-          <p:nvSpPr>
-            <p:cNvPr id="47" name="Down Arrow 46"/>
-            <p:cNvSpPr/>
-            <p:nvPr/>
-          </p:nvSpPr>
-          <p:spPr>
-            <a:xfrm>
-              <a:off x="3751421" y="2786063"/>
-              <a:ext cx="442913" cy="1514475"/>
-            </a:xfrm>
-            <a:prstGeom prst="downArrow">
-              <a:avLst/>
-            </a:prstGeom>
-          </p:spPr>
-          <p:style>
-            <a:lnRef idx="2">
-              <a:schemeClr val="accent1">
-                <a:shade val="50000"/>
-              </a:schemeClr>
-            </a:lnRef>
-            <a:fillRef idx="1">
-              <a:schemeClr val="accent1"/>
-            </a:fillRef>
-            <a:effectRef idx="0">
-              <a:schemeClr val="accent1"/>
-            </a:effectRef>
-            <a:fontRef idx="minor">
-              <a:schemeClr val="lt1"/>
-            </a:fontRef>
-          </p:style>
-          <p:txBody>
-            <a:bodyPr rtlCol="0" anchor="ctr"/>
-            <a:lstStyle/>
-            <a:p>
-              <a:pPr algn="ctr"/>
-              <a:endParaRPr lang="en-US" dirty="0"/>
-            </a:p>
-          </p:txBody>
-        </p:sp>
-        <p:sp>
-          <p:nvSpPr>
-            <p:cNvPr id="48" name="Down Arrow 47"/>
-            <p:cNvSpPr/>
-            <p:nvPr/>
-          </p:nvSpPr>
-          <p:spPr>
-            <a:xfrm>
-              <a:off x="6609878" y="2786063"/>
-              <a:ext cx="442913" cy="1514475"/>
-            </a:xfrm>
-            <a:prstGeom prst="downArrow">
-              <a:avLst/>
-            </a:prstGeom>
-          </p:spPr>
-          <p:style>
-            <a:lnRef idx="2">
-              <a:schemeClr val="accent1">
-                <a:shade val="50000"/>
-              </a:schemeClr>
-            </a:lnRef>
-            <a:fillRef idx="1">
-              <a:schemeClr val="accent1"/>
-            </a:fillRef>
-            <a:effectRef idx="0">
-              <a:schemeClr val="accent1"/>
-            </a:effectRef>
-            <a:fontRef idx="minor">
-              <a:schemeClr val="lt1"/>
-            </a:fontRef>
-          </p:style>
-          <p:txBody>
-            <a:bodyPr rtlCol="0" anchor="ctr"/>
-            <a:lstStyle/>
-            <a:p>
-              <a:pPr algn="ctr"/>
-              <a:endParaRPr lang="en-US"/>
-            </a:p>
-          </p:txBody>
-        </p:sp>
-        <p:cxnSp>
-          <p:nvCxnSpPr>
-            <p:cNvPr id="49" name="Straight Arrow Connector 48"/>
-            <p:cNvCxnSpPr/>
-            <p:nvPr/>
-          </p:nvCxnSpPr>
-          <p:spPr>
-            <a:xfrm>
-              <a:off x="4194334" y="2786063"/>
-              <a:ext cx="5366017" cy="1694497"/>
-            </a:xfrm>
-            <a:prstGeom prst="straightConnector1">
-              <a:avLst/>
-            </a:prstGeom>
-            <a:ln w="88900">
-              <a:prstDash val="dash"/>
-              <a:tailEnd type="triangle"/>
-            </a:ln>
-          </p:spPr>
-          <p:style>
-            <a:lnRef idx="1">
-              <a:schemeClr val="accent1"/>
-            </a:lnRef>
-            <a:fillRef idx="0">
-              <a:schemeClr val="accent1"/>
-            </a:fillRef>
-            <a:effectRef idx="0">
-              <a:schemeClr val="accent1"/>
-            </a:effectRef>
-            <a:fontRef idx="minor">
-              <a:schemeClr val="tx1"/>
-            </a:fontRef>
-          </p:style>
-        </p:cxnSp>
-        <p:cxnSp>
-          <p:nvCxnSpPr>
-            <p:cNvPr id="50" name="Straight Arrow Connector 49"/>
-            <p:cNvCxnSpPr/>
-            <p:nvPr/>
-          </p:nvCxnSpPr>
-          <p:spPr>
-            <a:xfrm>
-              <a:off x="7052791" y="2786061"/>
-              <a:ext cx="2822729" cy="1694499"/>
-            </a:xfrm>
-            <a:prstGeom prst="straightConnector1">
-              <a:avLst/>
-            </a:prstGeom>
-            <a:ln w="88900">
-              <a:prstDash val="dash"/>
-              <a:tailEnd type="triangle"/>
-            </a:ln>
-          </p:spPr>
-          <p:style>
-            <a:lnRef idx="1">
-              <a:schemeClr val="accent1"/>
-            </a:lnRef>
-            <a:fillRef idx="0">
-              <a:schemeClr val="accent1"/>
-            </a:fillRef>
-            <a:effectRef idx="0">
-              <a:schemeClr val="accent1"/>
-            </a:effectRef>
-            <a:fontRef idx="minor">
-              <a:schemeClr val="tx1"/>
-            </a:fontRef>
-          </p:style>
-        </p:cxnSp>
-        <p:sp>
-          <p:nvSpPr>
-            <p:cNvPr id="51" name="TextBox 50"/>
-            <p:cNvSpPr txBox="1"/>
-            <p:nvPr/>
-          </p:nvSpPr>
-          <p:spPr>
-            <a:xfrm>
-              <a:off x="3234537" y="3653265"/>
-              <a:ext cx="583814" cy="369332"/>
-            </a:xfrm>
-            <a:prstGeom prst="rect">
-              <a:avLst/>
-            </a:prstGeom>
-            <a:noFill/>
-          </p:spPr>
-          <p:txBody>
-            <a:bodyPr wrap="none" rtlCol="0">
-              <a:spAutoFit/>
-            </a:bodyPr>
-            <a:lstStyle/>
-            <a:p>
-              <a:r>
-                <a:rPr lang="en-US" dirty="0" smtClean="0">
-                  <a:solidFill>
-                    <a:schemeClr val="bg1"/>
-                  </a:solidFill>
-                </a:rPr>
-                <a:t>80%</a:t>
-              </a:r>
-              <a:endParaRPr lang="en-US" dirty="0">
-                <a:solidFill>
-                  <a:schemeClr val="bg1"/>
-                </a:solidFill>
-              </a:endParaRPr>
-            </a:p>
-          </p:txBody>
-        </p:sp>
-        <p:sp>
-          <p:nvSpPr>
-            <p:cNvPr id="52" name="TextBox 51"/>
-            <p:cNvSpPr txBox="1"/>
-            <p:nvPr/>
-          </p:nvSpPr>
-          <p:spPr>
-            <a:xfrm>
-              <a:off x="6141632" y="3653265"/>
-              <a:ext cx="583814" cy="369332"/>
-            </a:xfrm>
-            <a:prstGeom prst="rect">
-              <a:avLst/>
-            </a:prstGeom>
-            <a:noFill/>
-          </p:spPr>
-          <p:txBody>
-            <a:bodyPr wrap="none" rtlCol="0">
-              <a:spAutoFit/>
-            </a:bodyPr>
-            <a:lstStyle/>
-            <a:p>
-              <a:r>
-                <a:rPr lang="en-US" dirty="0" smtClean="0">
-                  <a:solidFill>
-                    <a:schemeClr val="bg1"/>
-                  </a:solidFill>
-                </a:rPr>
-                <a:t>80%</a:t>
-              </a:r>
-              <a:endParaRPr lang="en-US" dirty="0">
-                <a:solidFill>
-                  <a:schemeClr val="bg1"/>
-                </a:solidFill>
-              </a:endParaRPr>
-            </a:p>
-          </p:txBody>
-        </p:sp>
-        <p:sp>
-          <p:nvSpPr>
-            <p:cNvPr id="53" name="TextBox 52"/>
-            <p:cNvSpPr txBox="1"/>
-            <p:nvPr/>
-          </p:nvSpPr>
-          <p:spPr>
-            <a:xfrm rot="1066460">
-              <a:off x="4813465" y="2679381"/>
-              <a:ext cx="583814" cy="369332"/>
-            </a:xfrm>
-            <a:prstGeom prst="rect">
-              <a:avLst/>
-            </a:prstGeom>
-            <a:noFill/>
-          </p:spPr>
-          <p:txBody>
-            <a:bodyPr wrap="none" rtlCol="0">
-              <a:spAutoFit/>
-            </a:bodyPr>
-            <a:lstStyle/>
-            <a:p>
-              <a:r>
-                <a:rPr lang="en-US" dirty="0" smtClean="0">
-                  <a:solidFill>
-                    <a:schemeClr val="bg1"/>
-                  </a:solidFill>
-                </a:rPr>
-                <a:t>20%</a:t>
-              </a:r>
-              <a:endParaRPr lang="en-US" dirty="0">
-                <a:solidFill>
-                  <a:schemeClr val="bg1"/>
-                </a:solidFill>
-              </a:endParaRPr>
-            </a:p>
-          </p:txBody>
-        </p:sp>
-        <p:sp>
-          <p:nvSpPr>
-            <p:cNvPr id="54" name="TextBox 53"/>
-            <p:cNvSpPr txBox="1"/>
-            <p:nvPr/>
-          </p:nvSpPr>
-          <p:spPr>
-            <a:xfrm rot="1850188">
-              <a:off x="7635322" y="2887681"/>
-              <a:ext cx="583814" cy="369332"/>
-            </a:xfrm>
-            <a:prstGeom prst="rect">
-              <a:avLst/>
-            </a:prstGeom>
-            <a:noFill/>
-          </p:spPr>
-          <p:txBody>
-            <a:bodyPr wrap="none" rtlCol="0">
-              <a:spAutoFit/>
-            </a:bodyPr>
-            <a:lstStyle/>
-            <a:p>
-              <a:r>
-                <a:rPr lang="en-US" dirty="0" smtClean="0">
-                  <a:solidFill>
-                    <a:schemeClr val="bg1"/>
-                  </a:solidFill>
-                </a:rPr>
-                <a:t>20%</a:t>
-              </a:r>
-              <a:endParaRPr lang="en-US" dirty="0">
-                <a:solidFill>
-                  <a:schemeClr val="bg1"/>
-                </a:solidFill>
-              </a:endParaRPr>
-            </a:p>
-          </p:txBody>
-        </p:sp>
       </p:grpSp>
     </p:spTree>
     <p:extLst>
@@ -4714,4 +5112,265 @@
     </a:ext>
   </a:extLst>
 </a:theme>
+</file>
+
+<file path=ppt/theme/theme2.xml><?xml version="1.0" encoding="utf-8"?>
+<a:theme xmlns:a="http://schemas.openxmlformats.org/drawingml/2006/main" name="Office Theme">
+  <a:themeElements>
+    <a:clrScheme name="Office">
+      <a:dk1>
+        <a:sysClr val="windowText" lastClr="000000"/>
+      </a:dk1>
+      <a:lt1>
+        <a:sysClr val="window" lastClr="FFFFFF"/>
+      </a:lt1>
+      <a:dk2>
+        <a:srgbClr val="44546A"/>
+      </a:dk2>
+      <a:lt2>
+        <a:srgbClr val="E7E6E6"/>
+      </a:lt2>
+      <a:accent1>
+        <a:srgbClr val="4472C4"/>
+      </a:accent1>
+      <a:accent2>
+        <a:srgbClr val="ED7D31"/>
+      </a:accent2>
+      <a:accent3>
+        <a:srgbClr val="A5A5A5"/>
+      </a:accent3>
+      <a:accent4>
+        <a:srgbClr val="FFC000"/>
+      </a:accent4>
+      <a:accent5>
+        <a:srgbClr val="5B9BD5"/>
+      </a:accent5>
+      <a:accent6>
+        <a:srgbClr val="70AD47"/>
+      </a:accent6>
+      <a:hlink>
+        <a:srgbClr val="0563C1"/>
+      </a:hlink>
+      <a:folHlink>
+        <a:srgbClr val="954F72"/>
+      </a:folHlink>
+    </a:clrScheme>
+    <a:fontScheme name="Office">
+      <a:majorFont>
+        <a:latin typeface="Calibri Light" panose="020F0302020204030204"/>
+        <a:ea typeface=""/>
+        <a:cs typeface=""/>
+        <a:font script="Jpan" typeface="Yu Gothic Light"/>
+        <a:font script="Hang" typeface="맑은 고딕"/>
+        <a:font script="Hans" typeface="DengXian Light"/>
+        <a:font script="Hant" typeface="新細明體"/>
+        <a:font script="Arab" typeface="Times New Roman"/>
+        <a:font script="Hebr" typeface="Times New Roman"/>
+        <a:font script="Thai" typeface="Angsana New"/>
+        <a:font script="Ethi" typeface="Nyala"/>
+        <a:font script="Beng" typeface="Vrinda"/>
+        <a:font script="Gujr" typeface="Shruti"/>
+        <a:font script="Khmr" typeface="MoolBoran"/>
+        <a:font script="Knda" typeface="Tunga"/>
+        <a:font script="Guru" typeface="Raavi"/>
+        <a:font script="Cans" typeface="Euphemia"/>
+        <a:font script="Cher" typeface="Plantagenet Cherokee"/>
+        <a:font script="Yiii" typeface="Microsoft Yi Baiti"/>
+        <a:font script="Tibt" typeface="Microsoft Himalaya"/>
+        <a:font script="Thaa" typeface="MV Boli"/>
+        <a:font script="Deva" typeface="Mangal"/>
+        <a:font script="Telu" typeface="Gautami"/>
+        <a:font script="Taml" typeface="Latha"/>
+        <a:font script="Syrc" typeface="Estrangelo Edessa"/>
+        <a:font script="Orya" typeface="Kalinga"/>
+        <a:font script="Mlym" typeface="Kartika"/>
+        <a:font script="Laoo" typeface="DokChampa"/>
+        <a:font script="Sinh" typeface="Iskoola Pota"/>
+        <a:font script="Mong" typeface="Mongolian Baiti"/>
+        <a:font script="Viet" typeface="Times New Roman"/>
+        <a:font script="Uigh" typeface="Microsoft Uighur"/>
+        <a:font script="Geor" typeface="Sylfaen"/>
+      </a:majorFont>
+      <a:minorFont>
+        <a:latin typeface="Calibri" panose="020F0502020204030204"/>
+        <a:ea typeface=""/>
+        <a:cs typeface=""/>
+        <a:font script="Jpan" typeface="Yu Gothic"/>
+        <a:font script="Hang" typeface="맑은 고딕"/>
+        <a:font script="Hans" typeface="DengXian"/>
+        <a:font script="Hant" typeface="新細明體"/>
+        <a:font script="Arab" typeface="Arial"/>
+        <a:font script="Hebr" typeface="Arial"/>
+        <a:font script="Thai" typeface="Cordia New"/>
+        <a:font script="Ethi" typeface="Nyala"/>
+        <a:font script="Beng" typeface="Vrinda"/>
+        <a:font script="Gujr" typeface="Shruti"/>
+        <a:font script="Khmr" typeface="DaunPenh"/>
+        <a:font script="Knda" typeface="Tunga"/>
+        <a:font script="Guru" typeface="Raavi"/>
+        <a:font script="Cans" typeface="Euphemia"/>
+        <a:font script="Cher" typeface="Plantagenet Cherokee"/>
+        <a:font script="Yiii" typeface="Microsoft Yi Baiti"/>
+        <a:font script="Tibt" typeface="Microsoft Himalaya"/>
+        <a:font script="Thaa" typeface="MV Boli"/>
+        <a:font script="Deva" typeface="Mangal"/>
+        <a:font script="Telu" typeface="Gautami"/>
+        <a:font script="Taml" typeface="Latha"/>
+        <a:font script="Syrc" typeface="Estrangelo Edessa"/>
+        <a:font script="Orya" typeface="Kalinga"/>
+        <a:font script="Mlym" typeface="Kartika"/>
+        <a:font script="Laoo" typeface="DokChampa"/>
+        <a:font script="Sinh" typeface="Iskoola Pota"/>
+        <a:font script="Mong" typeface="Mongolian Baiti"/>
+        <a:font script="Viet" typeface="Arial"/>
+        <a:font script="Uigh" typeface="Microsoft Uighur"/>
+        <a:font script="Geor" typeface="Sylfaen"/>
+      </a:minorFont>
+    </a:fontScheme>
+    <a:fmtScheme name="Office">
+      <a:fillStyleLst>
+        <a:solidFill>
+          <a:schemeClr val="phClr"/>
+        </a:solidFill>
+        <a:gradFill rotWithShape="1">
+          <a:gsLst>
+            <a:gs pos="0">
+              <a:schemeClr val="phClr">
+                <a:lumMod val="110000"/>
+                <a:satMod val="105000"/>
+                <a:tint val="67000"/>
+              </a:schemeClr>
+            </a:gs>
+            <a:gs pos="50000">
+              <a:schemeClr val="phClr">
+                <a:lumMod val="105000"/>
+                <a:satMod val="103000"/>
+                <a:tint val="73000"/>
+              </a:schemeClr>
+            </a:gs>
+            <a:gs pos="100000">
+              <a:schemeClr val="phClr">
+                <a:lumMod val="105000"/>
+                <a:satMod val="109000"/>
+                <a:tint val="81000"/>
+              </a:schemeClr>
+            </a:gs>
+          </a:gsLst>
+          <a:lin ang="5400000" scaled="0"/>
+        </a:gradFill>
+        <a:gradFill rotWithShape="1">
+          <a:gsLst>
+            <a:gs pos="0">
+              <a:schemeClr val="phClr">
+                <a:satMod val="103000"/>
+                <a:lumMod val="102000"/>
+                <a:tint val="94000"/>
+              </a:schemeClr>
+            </a:gs>
+            <a:gs pos="50000">
+              <a:schemeClr val="phClr">
+                <a:satMod val="110000"/>
+                <a:lumMod val="100000"/>
+                <a:shade val="100000"/>
+              </a:schemeClr>
+            </a:gs>
+            <a:gs pos="100000">
+              <a:schemeClr val="phClr">
+                <a:lumMod val="99000"/>
+                <a:satMod val="120000"/>
+                <a:shade val="78000"/>
+              </a:schemeClr>
+            </a:gs>
+          </a:gsLst>
+          <a:lin ang="5400000" scaled="0"/>
+        </a:gradFill>
+      </a:fillStyleLst>
+      <a:lnStyleLst>
+        <a:ln w="6350" cap="flat" cmpd="sng" algn="ctr">
+          <a:solidFill>
+            <a:schemeClr val="phClr"/>
+          </a:solidFill>
+          <a:prstDash val="solid"/>
+          <a:miter lim="800000"/>
+        </a:ln>
+        <a:ln w="12700" cap="flat" cmpd="sng" algn="ctr">
+          <a:solidFill>
+            <a:schemeClr val="phClr"/>
+          </a:solidFill>
+          <a:prstDash val="solid"/>
+          <a:miter lim="800000"/>
+        </a:ln>
+        <a:ln w="19050" cap="flat" cmpd="sng" algn="ctr">
+          <a:solidFill>
+            <a:schemeClr val="phClr"/>
+          </a:solidFill>
+          <a:prstDash val="solid"/>
+          <a:miter lim="800000"/>
+        </a:ln>
+      </a:lnStyleLst>
+      <a:effectStyleLst>
+        <a:effectStyle>
+          <a:effectLst/>
+        </a:effectStyle>
+        <a:effectStyle>
+          <a:effectLst/>
+        </a:effectStyle>
+        <a:effectStyle>
+          <a:effectLst>
+            <a:outerShdw blurRad="57150" dist="19050" dir="5400000" algn="ctr" rotWithShape="0">
+              <a:srgbClr val="000000">
+                <a:alpha val="63000"/>
+              </a:srgbClr>
+            </a:outerShdw>
+          </a:effectLst>
+        </a:effectStyle>
+      </a:effectStyleLst>
+      <a:bgFillStyleLst>
+        <a:solidFill>
+          <a:schemeClr val="phClr"/>
+        </a:solidFill>
+        <a:solidFill>
+          <a:schemeClr val="phClr">
+            <a:tint val="95000"/>
+            <a:satMod val="170000"/>
+          </a:schemeClr>
+        </a:solidFill>
+        <a:gradFill rotWithShape="1">
+          <a:gsLst>
+            <a:gs pos="0">
+              <a:schemeClr val="phClr">
+                <a:tint val="93000"/>
+                <a:satMod val="150000"/>
+                <a:shade val="98000"/>
+                <a:lumMod val="102000"/>
+              </a:schemeClr>
+            </a:gs>
+            <a:gs pos="50000">
+              <a:schemeClr val="phClr">
+                <a:tint val="98000"/>
+                <a:satMod val="130000"/>
+                <a:shade val="90000"/>
+                <a:lumMod val="103000"/>
+              </a:schemeClr>
+            </a:gs>
+            <a:gs pos="100000">
+              <a:schemeClr val="phClr">
+                <a:shade val="63000"/>
+                <a:satMod val="120000"/>
+              </a:schemeClr>
+            </a:gs>
+          </a:gsLst>
+          <a:lin ang="5400000" scaled="0"/>
+        </a:gradFill>
+      </a:bgFillStyleLst>
+    </a:fmtScheme>
+  </a:themeElements>
+  <a:objectDefaults/>
+  <a:extraClrSchemeLst/>
+  <a:extLst>
+    <a:ext uri="{05A4C25C-085E-4340-85A3-A5531E510DB2}">
+      <thm15:themeFamily xmlns:thm15="http://schemas.microsoft.com/office/thememl/2012/main" name="Office Theme" id="{62F939B6-93AF-4DB8-9C6B-D6C7DFDC589F}" vid="{4A3C46E8-61CC-4603-A589-7422A47A8E4A}"/>
+    </a:ext>
+  </a:extLst>
+</a:theme>
 </file>